--- a/Презентация проект Python.pptx
+++ b/Презентация проект Python.pptx
@@ -5,7 +5,7 @@
     <p:sldMasterId id="2147484005" r:id="rId1"/>
   </p:sldMasterIdLst>
   <p:notesMasterIdLst>
-    <p:notesMasterId r:id="rId32"/>
+    <p:notesMasterId r:id="rId33"/>
   </p:notesMasterIdLst>
   <p:sldIdLst>
     <p:sldId id="259" r:id="rId2"/>
@@ -38,6 +38,7 @@
     <p:sldId id="360" r:id="rId29"/>
     <p:sldId id="361" r:id="rId30"/>
     <p:sldId id="370" r:id="rId31"/>
+    <p:sldId id="373" r:id="rId32"/>
   </p:sldIdLst>
   <p:sldSz cx="12192000" cy="6858000"/>
   <p:notesSz cx="6858000" cy="9144000"/>
@@ -3946,8 +3947,8 @@
         </p:nvSpPr>
         <p:spPr>
           <a:xfrm>
-            <a:off x="5186264" y="478173"/>
-            <a:ext cx="1882247" cy="646331"/>
+            <a:off x="4818245" y="486563"/>
+            <a:ext cx="2555508" cy="646331"/>
           </a:xfrm>
           <a:prstGeom prst="rect">
             <a:avLst/>
@@ -3964,7 +3965,7 @@
               <a:rPr lang="ru-RU" sz="3600" b="1" dirty="0" smtClean="0">
                 <a:latin typeface="Montserrat" panose="00000500000000000000" pitchFamily="2" charset="-52"/>
               </a:rPr>
-              <a:t>Задачи</a:t>
+              <a:t>Введение</a:t>
             </a:r>
             <a:endParaRPr lang="ru-RU" sz="3600" b="1" dirty="0">
               <a:latin typeface="Montserrat" panose="00000500000000000000" pitchFamily="2" charset="-52"/>
@@ -4047,6 +4048,40 @@
               </a:rPr>
               <a:t>Протестировать.</a:t>
             </a:r>
+          </a:p>
+        </p:txBody>
+      </p:sp>
+      <p:sp>
+        <p:nvSpPr>
+          <p:cNvPr id="4" name="TextBox 3"/>
+          <p:cNvSpPr txBox="1"/>
+          <p:nvPr/>
+        </p:nvSpPr>
+        <p:spPr>
+          <a:xfrm>
+            <a:off x="5294338" y="1782395"/>
+            <a:ext cx="1603324" cy="523220"/>
+          </a:xfrm>
+          <a:prstGeom prst="rect">
+            <a:avLst/>
+          </a:prstGeom>
+          <a:noFill/>
+        </p:spPr>
+        <p:txBody>
+          <a:bodyPr wrap="none" rtlCol="0">
+            <a:spAutoFit/>
+          </a:bodyPr>
+          <a:lstStyle/>
+          <a:p>
+            <a:r>
+              <a:rPr lang="ru-RU" sz="2800" dirty="0" smtClean="0">
+                <a:latin typeface="Montserrat" panose="00000500000000000000" pitchFamily="2" charset="-52"/>
+              </a:rPr>
+              <a:t>Задачи:</a:t>
+            </a:r>
+            <a:endParaRPr lang="ru-RU" sz="2800" dirty="0">
+              <a:latin typeface="Montserrat" panose="00000500000000000000" pitchFamily="2" charset="-52"/>
+            </a:endParaRPr>
           </a:p>
         </p:txBody>
       </p:sp>
@@ -5716,7 +5751,13 @@
               <a:rPr lang="ru-RU" dirty="0" smtClean="0">
                 <a:latin typeface="Montserrat" panose="00000500000000000000" pitchFamily="2" charset="-52"/>
               </a:rPr>
-              <a:t>Идея: Пользователю будет загадано слово и даны 5 попыток, чтобы его отгадать. Игроку нужно вводить слово из 5 букв и если буквы из него есть в загаданном слове, то они появятся в отдельном поле. Если пользователь угадал, ему начисляются очки.</a:t>
+              <a:t>Пользователю </a:t>
+            </a:r>
+            <a:r>
+              <a:rPr lang="ru-RU" dirty="0" smtClean="0">
+                <a:latin typeface="Montserrat" panose="00000500000000000000" pitchFamily="2" charset="-52"/>
+              </a:rPr>
+              <a:t>будет загадано слово и даны 5 попыток, чтобы его отгадать. Игроку нужно вводить слово из 5 букв и если буквы из него есть в загаданном слове, то они появятся в отдельном поле. Если пользователь угадал, ему начисляются очки.</a:t>
             </a:r>
             <a:endParaRPr lang="ru-RU" dirty="0">
               <a:latin typeface="Montserrat" panose="00000500000000000000" pitchFamily="2" charset="-52"/>
@@ -5824,6 +5865,185 @@
     <p:extLst>
       <p:ext uri="{BB962C8B-B14F-4D97-AF65-F5344CB8AC3E}">
         <p14:creationId xmlns:p14="http://schemas.microsoft.com/office/powerpoint/2010/main" val="733984996"/>
+      </p:ext>
+    </p:extLst>
+  </p:cSld>
+  <p:clrMapOvr>
+    <a:masterClrMapping/>
+  </p:clrMapOvr>
+  <p:timing>
+    <p:tnLst>
+      <p:par>
+        <p:cTn id="1" dur="indefinite" restart="never" nodeType="tmRoot"/>
+      </p:par>
+    </p:tnLst>
+  </p:timing>
+</p:sld>
+</file>
+
+<file path=ppt/slides/slide31.xml><?xml version="1.0" encoding="utf-8"?>
+<p:sld xmlns:a="http://schemas.openxmlformats.org/drawingml/2006/main" xmlns:r="http://schemas.openxmlformats.org/officeDocument/2006/relationships" xmlns:p="http://schemas.openxmlformats.org/presentationml/2006/main">
+  <p:cSld>
+    <p:spTree>
+      <p:nvGrpSpPr>
+        <p:cNvPr id="1" name=""/>
+        <p:cNvGrpSpPr/>
+        <p:nvPr/>
+      </p:nvGrpSpPr>
+      <p:grpSpPr>
+        <a:xfrm>
+          <a:off x="0" y="0"/>
+          <a:ext cx="0" cy="0"/>
+          <a:chOff x="0" y="0"/>
+          <a:chExt cx="0" cy="0"/>
+        </a:xfrm>
+      </p:grpSpPr>
+      <p:sp>
+        <p:nvSpPr>
+          <p:cNvPr id="4" name="TextBox 3"/>
+          <p:cNvSpPr txBox="1"/>
+          <p:nvPr/>
+        </p:nvSpPr>
+        <p:spPr>
+          <a:xfrm>
+            <a:off x="3830973" y="457200"/>
+            <a:ext cx="4530056" cy="646331"/>
+          </a:xfrm>
+          <a:prstGeom prst="rect">
+            <a:avLst/>
+          </a:prstGeom>
+          <a:noFill/>
+        </p:spPr>
+        <p:txBody>
+          <a:bodyPr wrap="square" lIns="0" rIns="0" rtlCol="0">
+            <a:spAutoFit/>
+          </a:bodyPr>
+          <a:lstStyle/>
+          <a:p>
+            <a:pPr algn="ctr"/>
+            <a:r>
+              <a:rPr lang="ru-RU" sz="3600" dirty="0" smtClean="0">
+                <a:latin typeface="Montserrat" panose="00000500000000000000" pitchFamily="2" charset="-52"/>
+                <a:ea typeface="Open Sans" charset="0"/>
+                <a:cs typeface="Open Sans" charset="0"/>
+              </a:rPr>
+              <a:t>Заключение</a:t>
+            </a:r>
+            <a:endParaRPr lang="en-US" sz="3600" dirty="0">
+              <a:latin typeface="Montserrat" panose="00000500000000000000" pitchFamily="2" charset="-52"/>
+              <a:ea typeface="Open Sans" charset="0"/>
+              <a:cs typeface="Open Sans" charset="0"/>
+            </a:endParaRPr>
+          </a:p>
+        </p:txBody>
+      </p:sp>
+      <p:sp>
+        <p:nvSpPr>
+          <p:cNvPr id="2" name="TextBox 1"/>
+          <p:cNvSpPr txBox="1"/>
+          <p:nvPr/>
+        </p:nvSpPr>
+        <p:spPr>
+          <a:xfrm>
+            <a:off x="5578679" y="3036815"/>
+            <a:ext cx="184731" cy="369332"/>
+          </a:xfrm>
+          <a:prstGeom prst="rect">
+            <a:avLst/>
+          </a:prstGeom>
+          <a:noFill/>
+        </p:spPr>
+        <p:txBody>
+          <a:bodyPr wrap="none" rtlCol="0">
+            <a:spAutoFit/>
+          </a:bodyPr>
+          <a:lstStyle/>
+          <a:p>
+            <a:endParaRPr lang="ru-RU" dirty="0"/>
+          </a:p>
+        </p:txBody>
+      </p:sp>
+      <p:sp>
+        <p:nvSpPr>
+          <p:cNvPr id="3" name="TextBox 2"/>
+          <p:cNvSpPr txBox="1"/>
+          <p:nvPr/>
+        </p:nvSpPr>
+        <p:spPr>
+          <a:xfrm>
+            <a:off x="1714500" y="2944482"/>
+            <a:ext cx="9715500" cy="1200329"/>
+          </a:xfrm>
+          <a:prstGeom prst="rect">
+            <a:avLst/>
+          </a:prstGeom>
+          <a:noFill/>
+        </p:spPr>
+        <p:txBody>
+          <a:bodyPr wrap="square" rtlCol="0">
+            <a:spAutoFit/>
+          </a:bodyPr>
+          <a:lstStyle/>
+          <a:p>
+            <a:pPr algn="just"/>
+            <a:r>
+              <a:rPr lang="ru-RU" dirty="0" smtClean="0">
+                <a:latin typeface="Montserrat" panose="00000500000000000000" pitchFamily="2" charset="-52"/>
+              </a:rPr>
+              <a:t>Я впервые писал такой большой проект на </a:t>
+            </a:r>
+            <a:r>
+              <a:rPr lang="en-US" dirty="0" smtClean="0">
+                <a:latin typeface="Montserrat" panose="00000500000000000000" pitchFamily="2" charset="-52"/>
+              </a:rPr>
+              <a:t>Python. </a:t>
+            </a:r>
+            <a:r>
+              <a:rPr lang="ru-RU" dirty="0" smtClean="0">
+                <a:latin typeface="Montserrat" panose="00000500000000000000" pitchFamily="2" charset="-52"/>
+              </a:rPr>
+              <a:t>В ходе моей работы я подробнее изучил метод </a:t>
+            </a:r>
+            <a:r>
+              <a:rPr lang="en-US" dirty="0" smtClean="0">
+                <a:latin typeface="Montserrat" panose="00000500000000000000" pitchFamily="2" charset="-52"/>
+              </a:rPr>
+              <a:t>grid</a:t>
+            </a:r>
+            <a:r>
+              <a:rPr lang="ru-RU" dirty="0" smtClean="0">
+                <a:latin typeface="Montserrat" panose="00000500000000000000" pitchFamily="2" charset="-52"/>
+              </a:rPr>
+              <a:t> и научился работать с библиотекой </a:t>
+            </a:r>
+            <a:r>
+              <a:rPr lang="en-US" dirty="0" err="1" smtClean="0">
+                <a:latin typeface="Montserrat" panose="00000500000000000000" pitchFamily="2" charset="-52"/>
+              </a:rPr>
+              <a:t>Pymysql</a:t>
+            </a:r>
+            <a:r>
+              <a:rPr lang="en-US" dirty="0">
+                <a:latin typeface="Montserrat" panose="00000500000000000000" pitchFamily="2" charset="-52"/>
+              </a:rPr>
+              <a:t>,</a:t>
+            </a:r>
+            <a:r>
+              <a:rPr lang="ru-RU" dirty="0" smtClean="0">
+                <a:latin typeface="Montserrat" panose="00000500000000000000" pitchFamily="2" charset="-52"/>
+              </a:rPr>
+              <a:t> также я вспомнил все, что изучал ранее. Мне понравилось выполнять эту работу.</a:t>
+            </a:r>
+            <a:endParaRPr lang="ru-RU" dirty="0">
+              <a:latin typeface="Montserrat" panose="00000500000000000000" pitchFamily="2" charset="-52"/>
+            </a:endParaRPr>
+          </a:p>
+        </p:txBody>
+      </p:sp>
+    </p:spTree>
+    <p:extLst>
+      <p:ext uri="{BB962C8B-B14F-4D97-AF65-F5344CB8AC3E}">
+        <p14:creationId xmlns:p14="http://schemas.microsoft.com/office/powerpoint/2010/main" val="3571213273"/>
       </p:ext>
     </p:extLst>
   </p:cSld>
